--- a/week9_python4/week9_python4.pptx
+++ b/week9_python4/week9_python4.pptx
@@ -218,7 +218,7 @@
           <a:p>
             <a:fld id="{31739141-2DAA-2346-BEF0-0594A5BB306A}" type="datetimeFigureOut">
               <a:rPr lang="en-US" smtClean="0"/>
-              <a:t>10/17/24</a:t>
+              <a:t>10/22/24</a:t>
             </a:fld>
             <a:endParaRPr lang="en-US"/>
           </a:p>
@@ -884,7 +884,7 @@
           <a:p>
             <a:fld id="{69F9884C-D6B0-574D-ABEB-4B3275C742BC}" type="datetimeFigureOut">
               <a:rPr lang="en-US" smtClean="0"/>
-              <a:t>10/17/24</a:t>
+              <a:t>10/22/24</a:t>
             </a:fld>
             <a:endParaRPr lang="en-US"/>
           </a:p>
@@ -1082,7 +1082,7 @@
           <a:p>
             <a:fld id="{69F9884C-D6B0-574D-ABEB-4B3275C742BC}" type="datetimeFigureOut">
               <a:rPr lang="en-US" smtClean="0"/>
-              <a:t>10/17/24</a:t>
+              <a:t>10/22/24</a:t>
             </a:fld>
             <a:endParaRPr lang="en-US"/>
           </a:p>
@@ -1290,7 +1290,7 @@
           <a:p>
             <a:fld id="{69F9884C-D6B0-574D-ABEB-4B3275C742BC}" type="datetimeFigureOut">
               <a:rPr lang="en-US" smtClean="0"/>
-              <a:t>10/17/24</a:t>
+              <a:t>10/22/24</a:t>
             </a:fld>
             <a:endParaRPr lang="en-US"/>
           </a:p>
@@ -1488,7 +1488,7 @@
           <a:p>
             <a:fld id="{69F9884C-D6B0-574D-ABEB-4B3275C742BC}" type="datetimeFigureOut">
               <a:rPr lang="en-US" smtClean="0"/>
-              <a:t>10/17/24</a:t>
+              <a:t>10/22/24</a:t>
             </a:fld>
             <a:endParaRPr lang="en-US"/>
           </a:p>
@@ -1763,7 +1763,7 @@
           <a:p>
             <a:fld id="{69F9884C-D6B0-574D-ABEB-4B3275C742BC}" type="datetimeFigureOut">
               <a:rPr lang="en-US" smtClean="0"/>
-              <a:t>10/17/24</a:t>
+              <a:t>10/22/24</a:t>
             </a:fld>
             <a:endParaRPr lang="en-US"/>
           </a:p>
@@ -2028,7 +2028,7 @@
           <a:p>
             <a:fld id="{69F9884C-D6B0-574D-ABEB-4B3275C742BC}" type="datetimeFigureOut">
               <a:rPr lang="en-US" smtClean="0"/>
-              <a:t>10/17/24</a:t>
+              <a:t>10/22/24</a:t>
             </a:fld>
             <a:endParaRPr lang="en-US"/>
           </a:p>
@@ -2440,7 +2440,7 @@
           <a:p>
             <a:fld id="{69F9884C-D6B0-574D-ABEB-4B3275C742BC}" type="datetimeFigureOut">
               <a:rPr lang="en-US" smtClean="0"/>
-              <a:t>10/17/24</a:t>
+              <a:t>10/22/24</a:t>
             </a:fld>
             <a:endParaRPr lang="en-US"/>
           </a:p>
@@ -2581,7 +2581,7 @@
           <a:p>
             <a:fld id="{69F9884C-D6B0-574D-ABEB-4B3275C742BC}" type="datetimeFigureOut">
               <a:rPr lang="en-US" smtClean="0"/>
-              <a:t>10/17/24</a:t>
+              <a:t>10/22/24</a:t>
             </a:fld>
             <a:endParaRPr lang="en-US"/>
           </a:p>
@@ -2694,7 +2694,7 @@
           <a:p>
             <a:fld id="{69F9884C-D6B0-574D-ABEB-4B3275C742BC}" type="datetimeFigureOut">
               <a:rPr lang="en-US" smtClean="0"/>
-              <a:t>10/17/24</a:t>
+              <a:t>10/22/24</a:t>
             </a:fld>
             <a:endParaRPr lang="en-US"/>
           </a:p>
@@ -3005,7 +3005,7 @@
           <a:p>
             <a:fld id="{69F9884C-D6B0-574D-ABEB-4B3275C742BC}" type="datetimeFigureOut">
               <a:rPr lang="en-US" smtClean="0"/>
-              <a:t>10/17/24</a:t>
+              <a:t>10/22/24</a:t>
             </a:fld>
             <a:endParaRPr lang="en-US"/>
           </a:p>
@@ -3293,7 +3293,7 @@
           <a:p>
             <a:fld id="{69F9884C-D6B0-574D-ABEB-4B3275C742BC}" type="datetimeFigureOut">
               <a:rPr lang="en-US" smtClean="0"/>
-              <a:t>10/17/24</a:t>
+              <a:t>10/22/24</a:t>
             </a:fld>
             <a:endParaRPr lang="en-US"/>
           </a:p>
@@ -3534,7 +3534,7 @@
           <a:p>
             <a:fld id="{69F9884C-D6B0-574D-ABEB-4B3275C742BC}" type="datetimeFigureOut">
               <a:rPr lang="en-US" smtClean="0"/>
-              <a:t>10/17/24</a:t>
+              <a:t>10/22/24</a:t>
             </a:fld>
             <a:endParaRPr lang="en-US"/>
           </a:p>
@@ -4540,7 +4540,7 @@
         <p:spPr>
           <a:xfrm>
             <a:off x="460269" y="3482291"/>
-            <a:ext cx="3623108" cy="523220"/>
+            <a:ext cx="5864106" cy="523220"/>
           </a:xfrm>
           <a:prstGeom prst="rect">
             <a:avLst/>
@@ -4557,7 +4557,7 @@
               <a:rPr lang="en-US" sz="2800" dirty="0">
                 <a:latin typeface="Helvetica Light" panose="020B0403020202020204" pitchFamily="34" charset="0"/>
               </a:rPr>
-              <a:t>Example expressions</a:t>
+              <a:t>Some example regular expressions</a:t>
             </a:r>
           </a:p>
         </p:txBody>
@@ -9025,9 +9025,9 @@
           <p:nvPr/>
         </p:nvCxnSpPr>
         <p:spPr>
-          <a:xfrm flipH="1">
-            <a:off x="5928144" y="5245223"/>
-            <a:ext cx="1590838" cy="1"/>
+          <a:xfrm flipH="1" flipV="1">
+            <a:off x="5832389" y="4893276"/>
+            <a:ext cx="1686593" cy="351947"/>
           </a:xfrm>
           <a:prstGeom prst="straightConnector1">
             <a:avLst/>
@@ -11915,7 +11915,7 @@
         <p:spPr>
           <a:xfrm>
             <a:off x="563642" y="1854375"/>
-            <a:ext cx="11064716" cy="4493538"/>
+            <a:ext cx="11064716" cy="4893647"/>
           </a:xfrm>
           <a:prstGeom prst="rect">
             <a:avLst/>
@@ -11947,7 +11947,7 @@
               <a:rPr lang="en-US" sz="2600" dirty="0">
                 <a:latin typeface="Helvetica Light" panose="020B0403020202020204" pitchFamily="34" charset="0"/>
               </a:rPr>
-              <a:t>Executing conditionals: if line has some expression, do something</a:t>
+              <a:t>Executing conditionals: if variable/data has some expression, do something</a:t>
             </a:r>
           </a:p>
           <a:p>
@@ -12362,7 +12362,7 @@
         </p:nvSpPr>
         <p:spPr>
           <a:xfrm>
-            <a:off x="583949" y="2867619"/>
+            <a:off x="481289" y="3879743"/>
             <a:ext cx="10701576" cy="2092881"/>
           </a:xfrm>
           <a:prstGeom prst="rect">
@@ -12514,7 +12514,7 @@
         <p:spPr>
           <a:xfrm>
             <a:off x="481289" y="1303284"/>
-            <a:ext cx="10906897" cy="1292662"/>
+            <a:ext cx="10906897" cy="2092881"/>
           </a:xfrm>
           <a:prstGeom prst="rect">
             <a:avLst/>
@@ -12550,8 +12550,39 @@
               <a:rPr lang="en-US" sz="2600" dirty="0">
                 <a:latin typeface="Helvetica Light" panose="020B0403020202020204" pitchFamily="34" charset="0"/>
               </a:rPr>
-              <a:t>returns true/false; match occurs or doesn’t, and stores match object.</a:t>
-            </a:r>
+              <a:t>returns true/false; match occurs or doesn’t, and stores match object. General usage follows:</a:t>
+            </a:r>
+          </a:p>
+          <a:p>
+            <a:endParaRPr lang="en-US" sz="2600" dirty="0">
+              <a:latin typeface="Helvetica Light" panose="020B0403020202020204" pitchFamily="34" charset="0"/>
+            </a:endParaRPr>
+          </a:p>
+          <a:p>
+            <a:r>
+              <a:rPr lang="en-US" sz="2600" b="1" dirty="0">
+                <a:latin typeface="Courier New" panose="02070309020205020404" pitchFamily="49" charset="0"/>
+                <a:cs typeface="Courier New" panose="02070309020205020404" pitchFamily="49" charset="0"/>
+              </a:rPr>
+              <a:t>	</a:t>
+            </a:r>
+            <a:r>
+              <a:rPr lang="en-US" sz="2600" b="1" dirty="0" err="1">
+                <a:latin typeface="Courier New" panose="02070309020205020404" pitchFamily="49" charset="0"/>
+                <a:cs typeface="Courier New" panose="02070309020205020404" pitchFamily="49" charset="0"/>
+              </a:rPr>
+              <a:t>re.search</a:t>
+            </a:r>
+            <a:r>
+              <a:rPr lang="en-US" sz="2600" b="1" dirty="0">
+                <a:latin typeface="Courier New" panose="02070309020205020404" pitchFamily="49" charset="0"/>
+                <a:cs typeface="Courier New" panose="02070309020205020404" pitchFamily="49" charset="0"/>
+              </a:rPr>
+              <a:t>(&lt;expression&gt;, &lt;string&gt;):</a:t>
+            </a:r>
+            <a:endParaRPr lang="en-US" sz="2600" dirty="0">
+              <a:latin typeface="Helvetica Light" panose="020B0403020202020204" pitchFamily="34" charset="0"/>
+            </a:endParaRPr>
           </a:p>
         </p:txBody>
       </p:sp>
